--- a/docs/images/quickstart-compliance-hipaa-architecture.pptx
+++ b/docs/images/quickstart-compliance-hipaa-architecture.pptx
@@ -225,7 +225,7 @@
           <a:p>
             <a:fld id="{49A7721D-1176-A640-AC48-B82F78C92D56}" type="datetimeFigureOut">
               <a:rPr lang="en-US" smtClean="0"/>
-              <a:t>4/13/2021</a:t>
+              <a:t>4/30/2021</a:t>
             </a:fld>
             <a:endParaRPr lang="en-US" dirty="0"/>
           </a:p>
@@ -402,7 +402,7 @@
           <a:p>
             <a:fld id="{C884A089-FB25-6D46-9D21-F0F04A18BCA8}" type="datetimeFigureOut">
               <a:rPr lang="en-US" smtClean="0"/>
-              <a:t>4/13/2021</a:t>
+              <a:t>4/30/2021</a:t>
             </a:fld>
             <a:endParaRPr lang="en-US" dirty="0"/>
           </a:p>
@@ -1100,7 +1100,7 @@
         </p:nvSpPr>
         <p:spPr>
           <a:xfrm>
-            <a:off x="62204" y="93518"/>
+            <a:off x="224129" y="103043"/>
             <a:ext cx="11115869" cy="6650183"/>
           </a:xfrm>
           <a:prstGeom prst="rect">
@@ -1179,7 +1179,7 @@
         </p:blipFill>
         <p:spPr>
           <a:xfrm>
-            <a:off x="62204" y="93518"/>
+            <a:off x="224129" y="103043"/>
             <a:ext cx="330200" cy="330200"/>
           </a:xfrm>
           <a:prstGeom prst="rect">
@@ -1216,7 +1216,7 @@
         </p:blipFill>
         <p:spPr bwMode="auto">
           <a:xfrm>
-            <a:off x="4215049" y="4720591"/>
+            <a:off x="4376974" y="4730116"/>
             <a:ext cx="480391" cy="480391"/>
           </a:xfrm>
           <a:prstGeom prst="rect">
@@ -1263,7 +1263,7 @@
         </p:nvSpPr>
         <p:spPr bwMode="auto">
           <a:xfrm>
-            <a:off x="3567135" y="5196758"/>
+            <a:off x="3729060" y="5206283"/>
             <a:ext cx="1777419" cy="276999"/>
           </a:xfrm>
           <a:prstGeom prst="rect">
@@ -1426,7 +1426,7 @@
         </p:nvCxnSpPr>
         <p:spPr>
           <a:xfrm flipV="1">
-            <a:off x="4455245" y="4384965"/>
+            <a:off x="4617170" y="4394490"/>
             <a:ext cx="2187" cy="335626"/>
           </a:xfrm>
           <a:prstGeom prst="straightConnector1">
@@ -1484,7 +1484,7 @@
         </p:blipFill>
         <p:spPr bwMode="auto">
           <a:xfrm>
-            <a:off x="9812494" y="3696094"/>
+            <a:off x="9974419" y="3705619"/>
             <a:ext cx="480391" cy="480391"/>
           </a:xfrm>
           <a:prstGeom prst="rect">
@@ -1531,7 +1531,7 @@
         </p:nvSpPr>
         <p:spPr bwMode="auto">
           <a:xfrm>
-            <a:off x="9161931" y="4176485"/>
+            <a:off x="9323856" y="4186010"/>
             <a:ext cx="1762255" cy="276999"/>
           </a:xfrm>
           <a:prstGeom prst="rect">
@@ -1679,7 +1679,7 @@
                 <a:ea typeface="Amazon Ember" panose="020B0603020204020204" pitchFamily="34" charset="0"/>
                 <a:cs typeface="Arial" panose="020B0604020202020204" pitchFamily="34" charset="0"/>
               </a:rPr>
-              <a:t>Site-to-SiteVPN</a:t>
+              <a:t>Site-to-Site VPN</a:t>
             </a:r>
             <a:endParaRPr lang="en-US" altLang="en-US" sz="1200" dirty="0">
               <a:latin typeface="+mn-lt"/>
@@ -1718,7 +1718,7 @@
         </p:blipFill>
         <p:spPr bwMode="auto">
           <a:xfrm>
-            <a:off x="9812494" y="4524531"/>
+            <a:off x="9974419" y="4534056"/>
             <a:ext cx="480391" cy="480391"/>
           </a:xfrm>
           <a:prstGeom prst="rect">
@@ -1765,7 +1765,7 @@
         </p:nvSpPr>
         <p:spPr bwMode="auto">
           <a:xfrm>
-            <a:off x="9236503" y="5007151"/>
+            <a:off x="9398428" y="5016676"/>
             <a:ext cx="1632372" cy="276999"/>
           </a:xfrm>
           <a:prstGeom prst="rect">
@@ -1924,7 +1924,7 @@
         </p:nvSpPr>
         <p:spPr>
           <a:xfrm>
-            <a:off x="9022774" y="3299269"/>
+            <a:off x="9184699" y="3308794"/>
             <a:ext cx="2041358" cy="1984881"/>
           </a:xfrm>
           <a:prstGeom prst="rect">
@@ -2008,7 +2008,7 @@
         </p:nvSpPr>
         <p:spPr>
           <a:xfrm>
-            <a:off x="144872" y="712371"/>
+            <a:off x="306797" y="721896"/>
             <a:ext cx="2819941" cy="3672594"/>
           </a:xfrm>
           <a:prstGeom prst="rect">
@@ -2079,7 +2079,7 @@
         </p:nvSpPr>
         <p:spPr bwMode="auto">
           <a:xfrm>
-            <a:off x="1079639" y="4087804"/>
+            <a:off x="1241564" y="4097329"/>
             <a:ext cx="957513" cy="276999"/>
           </a:xfrm>
           <a:prstGeom prst="rect">
@@ -2253,7 +2253,7 @@
         </p:blipFill>
         <p:spPr bwMode="auto">
           <a:xfrm>
-            <a:off x="1322411" y="3689825"/>
+            <a:off x="1484336" y="3699350"/>
             <a:ext cx="457200" cy="457200"/>
           </a:xfrm>
           <a:prstGeom prst="rect">
@@ -2313,7 +2313,7 @@
         </p:blipFill>
         <p:spPr bwMode="auto">
           <a:xfrm>
-            <a:off x="144017" y="712371"/>
+            <a:off x="305942" y="721896"/>
             <a:ext cx="330200" cy="330200"/>
           </a:xfrm>
           <a:prstGeom prst="rect">
@@ -2358,7 +2358,7 @@
         </p:nvSpPr>
         <p:spPr>
           <a:xfrm>
-            <a:off x="176355" y="1071910"/>
+            <a:off x="338280" y="1081435"/>
             <a:ext cx="1349166" cy="2568261"/>
           </a:xfrm>
           <a:prstGeom prst="rect">
@@ -2442,7 +2442,7 @@
         </p:nvSpPr>
         <p:spPr>
           <a:xfrm>
-            <a:off x="1561082" y="1071910"/>
+            <a:off x="1723007" y="1081435"/>
             <a:ext cx="1349166" cy="2568261"/>
           </a:xfrm>
           <a:prstGeom prst="rect">
@@ -2526,7 +2526,7 @@
         </p:nvSpPr>
         <p:spPr>
           <a:xfrm>
-            <a:off x="211951" y="2597331"/>
+            <a:off x="373876" y="2606856"/>
             <a:ext cx="1260885" cy="995282"/>
           </a:xfrm>
           <a:prstGeom prst="rect">
@@ -2612,7 +2612,7 @@
         </p:blipFill>
         <p:spPr bwMode="auto">
           <a:xfrm>
-            <a:off x="211950" y="2595743"/>
+            <a:off x="373875" y="2605268"/>
             <a:ext cx="274320" cy="297858"/>
           </a:xfrm>
           <a:prstGeom prst="rect">
@@ -2657,7 +2657,7 @@
         </p:nvSpPr>
         <p:spPr>
           <a:xfrm>
-            <a:off x="1603052" y="2599889"/>
+            <a:off x="1764977" y="2609414"/>
             <a:ext cx="1260885" cy="995282"/>
           </a:xfrm>
           <a:prstGeom prst="rect">
@@ -2743,7 +2743,7 @@
         </p:blipFill>
         <p:spPr bwMode="auto">
           <a:xfrm>
-            <a:off x="1603051" y="2598301"/>
+            <a:off x="1764976" y="2607826"/>
             <a:ext cx="274320" cy="297858"/>
           </a:xfrm>
           <a:prstGeom prst="rect">
@@ -2788,7 +2788,7 @@
         </p:nvSpPr>
         <p:spPr>
           <a:xfrm>
-            <a:off x="3047463" y="712371"/>
+            <a:off x="3209388" y="721896"/>
             <a:ext cx="2819937" cy="3672594"/>
           </a:xfrm>
           <a:prstGeom prst="rect">
@@ -2872,7 +2872,7 @@
         </p:blipFill>
         <p:spPr bwMode="auto">
           <a:xfrm>
-            <a:off x="3048469" y="712371"/>
+            <a:off x="3210394" y="721896"/>
             <a:ext cx="330200" cy="330200"/>
           </a:xfrm>
           <a:prstGeom prst="rect">
@@ -2919,7 +2919,7 @@
         </p:nvSpPr>
         <p:spPr bwMode="auto">
           <a:xfrm>
-            <a:off x="3968548" y="4087804"/>
+            <a:off x="4130473" y="4097329"/>
             <a:ext cx="971172" cy="276999"/>
           </a:xfrm>
           <a:prstGeom prst="rect">
@@ -3093,7 +3093,7 @@
         </p:blipFill>
         <p:spPr bwMode="auto">
           <a:xfrm>
-            <a:off x="4211313" y="3689825"/>
+            <a:off x="4373238" y="3699350"/>
             <a:ext cx="457200" cy="457200"/>
           </a:xfrm>
           <a:prstGeom prst="rect">
@@ -3138,7 +3138,7 @@
         </p:nvSpPr>
         <p:spPr>
           <a:xfrm>
-            <a:off x="3095606" y="1081418"/>
+            <a:off x="3257531" y="1090943"/>
             <a:ext cx="1349166" cy="2556322"/>
           </a:xfrm>
           <a:prstGeom prst="rect">
@@ -3222,7 +3222,7 @@
         </p:nvSpPr>
         <p:spPr>
           <a:xfrm>
-            <a:off x="3128970" y="2597330"/>
+            <a:off x="3290895" y="2606855"/>
             <a:ext cx="1260885" cy="992059"/>
           </a:xfrm>
           <a:prstGeom prst="rect">
@@ -3308,7 +3308,7 @@
         </p:blipFill>
         <p:spPr bwMode="auto">
           <a:xfrm>
-            <a:off x="3138131" y="2595743"/>
+            <a:off x="3300056" y="2605268"/>
             <a:ext cx="274320" cy="297858"/>
           </a:xfrm>
           <a:prstGeom prst="rect">
@@ -3353,7 +3353,7 @@
         </p:nvSpPr>
         <p:spPr>
           <a:xfrm>
-            <a:off x="4478194" y="1081219"/>
+            <a:off x="4640119" y="1090744"/>
             <a:ext cx="1349166" cy="2556321"/>
           </a:xfrm>
           <a:prstGeom prst="rect">
@@ -3437,7 +3437,7 @@
         </p:nvSpPr>
         <p:spPr>
           <a:xfrm>
-            <a:off x="4517444" y="2592363"/>
+            <a:off x="4679369" y="2601888"/>
             <a:ext cx="1260885" cy="1006159"/>
           </a:xfrm>
           <a:prstGeom prst="rect">
@@ -3523,7 +3523,7 @@
         </p:blipFill>
         <p:spPr bwMode="auto">
           <a:xfrm>
-            <a:off x="4526605" y="2590776"/>
+            <a:off x="4688530" y="2600301"/>
             <a:ext cx="274320" cy="297858"/>
           </a:xfrm>
           <a:prstGeom prst="rect">
@@ -3568,7 +3568,7 @@
         </p:nvSpPr>
         <p:spPr>
           <a:xfrm>
-            <a:off x="5931695" y="712371"/>
+            <a:off x="6093620" y="721896"/>
             <a:ext cx="2819937" cy="3672594"/>
           </a:xfrm>
           <a:prstGeom prst="rect">
@@ -3652,7 +3652,7 @@
         </p:blipFill>
         <p:spPr bwMode="auto">
           <a:xfrm>
-            <a:off x="5935863" y="712371"/>
+            <a:off x="6097788" y="721896"/>
             <a:ext cx="330200" cy="330200"/>
           </a:xfrm>
           <a:prstGeom prst="rect">
@@ -3699,7 +3699,7 @@
         </p:nvSpPr>
         <p:spPr bwMode="auto">
           <a:xfrm>
-            <a:off x="6727676" y="4086882"/>
+            <a:off x="6889601" y="4096407"/>
             <a:ext cx="1175414" cy="276999"/>
           </a:xfrm>
           <a:prstGeom prst="rect">
@@ -3873,7 +3873,7 @@
         </p:blipFill>
         <p:spPr bwMode="auto">
           <a:xfrm>
-            <a:off x="7095545" y="3688903"/>
+            <a:off x="7257470" y="3698428"/>
             <a:ext cx="457200" cy="457200"/>
           </a:xfrm>
           <a:prstGeom prst="rect">
@@ -3918,7 +3918,7 @@
         </p:nvSpPr>
         <p:spPr>
           <a:xfrm>
-            <a:off x="5979838" y="1080496"/>
+            <a:off x="6141763" y="1090021"/>
             <a:ext cx="1349166" cy="2556322"/>
           </a:xfrm>
           <a:prstGeom prst="rect">
@@ -4002,7 +4002,7 @@
         </p:nvSpPr>
         <p:spPr>
           <a:xfrm>
-            <a:off x="6013202" y="2596409"/>
+            <a:off x="6175127" y="2605934"/>
             <a:ext cx="1260885" cy="1003766"/>
           </a:xfrm>
           <a:prstGeom prst="rect">
@@ -4088,7 +4088,7 @@
         </p:blipFill>
         <p:spPr bwMode="auto">
           <a:xfrm>
-            <a:off x="6022363" y="2594821"/>
+            <a:off x="6184288" y="2604346"/>
             <a:ext cx="274320" cy="297858"/>
           </a:xfrm>
           <a:prstGeom prst="rect">
@@ -4133,7 +4133,7 @@
         </p:nvSpPr>
         <p:spPr>
           <a:xfrm>
-            <a:off x="7362426" y="1080297"/>
+            <a:off x="7524351" y="1089822"/>
             <a:ext cx="1349166" cy="2556321"/>
           </a:xfrm>
           <a:prstGeom prst="rect">
@@ -4217,7 +4217,7 @@
         </p:nvSpPr>
         <p:spPr>
           <a:xfrm>
-            <a:off x="7401676" y="2591441"/>
+            <a:off x="7563601" y="2600966"/>
             <a:ext cx="1260885" cy="1006704"/>
           </a:xfrm>
           <a:prstGeom prst="rect">
@@ -4303,7 +4303,7 @@
         </p:blipFill>
         <p:spPr bwMode="auto">
           <a:xfrm>
-            <a:off x="7410837" y="2589854"/>
+            <a:off x="7572762" y="2599379"/>
             <a:ext cx="274320" cy="297858"/>
           </a:xfrm>
           <a:prstGeom prst="rect">
@@ -4352,7 +4352,7 @@
         </p:nvCxnSpPr>
         <p:spPr>
           <a:xfrm rot="16200000" flipH="1">
-            <a:off x="2597035" y="3342773"/>
+            <a:off x="2758960" y="3352298"/>
             <a:ext cx="575822" cy="2660206"/>
           </a:xfrm>
           <a:prstGeom prst="bentConnector2">
@@ -4398,7 +4398,7 @@
         </p:nvCxnSpPr>
         <p:spPr>
           <a:xfrm flipV="1">
-            <a:off x="4695440" y="4384965"/>
+            <a:off x="4857365" y="4394490"/>
             <a:ext cx="2646224" cy="477986"/>
           </a:xfrm>
           <a:prstGeom prst="bentConnector2">
@@ -4456,7 +4456,7 @@
         </p:blipFill>
         <p:spPr bwMode="auto">
           <a:xfrm>
-            <a:off x="10204853" y="5865346"/>
+            <a:off x="10366778" y="5874871"/>
             <a:ext cx="429874" cy="480391"/>
           </a:xfrm>
           <a:prstGeom prst="rect">
@@ -4503,7 +4503,7 @@
         </p:nvSpPr>
         <p:spPr bwMode="auto">
           <a:xfrm>
-            <a:off x="9984234" y="6340407"/>
+            <a:off x="10146159" y="6349932"/>
             <a:ext cx="871113" cy="276999"/>
           </a:xfrm>
           <a:prstGeom prst="rect">
@@ -4682,7 +4682,7 @@
         </p:blipFill>
         <p:spPr bwMode="auto">
           <a:xfrm>
-            <a:off x="9380548" y="5865350"/>
+            <a:off x="9542473" y="5874875"/>
             <a:ext cx="429874" cy="480391"/>
           </a:xfrm>
           <a:prstGeom prst="rect">
@@ -4729,7 +4729,7 @@
         </p:nvSpPr>
         <p:spPr bwMode="auto">
           <a:xfrm>
-            <a:off x="9240707" y="6345741"/>
+            <a:off x="9402632" y="6355266"/>
             <a:ext cx="693004" cy="287501"/>
           </a:xfrm>
           <a:prstGeom prst="rect">
@@ -4893,7 +4893,7 @@
         </p:nvSpPr>
         <p:spPr>
           <a:xfrm>
-            <a:off x="9022774" y="5448285"/>
+            <a:off x="9184699" y="5457810"/>
             <a:ext cx="2041358" cy="1169121"/>
           </a:xfrm>
           <a:prstGeom prst="rect">
@@ -4997,7 +4997,7 @@
         </p:nvCxnSpPr>
         <p:spPr>
           <a:xfrm flipH="1">
-            <a:off x="4695440" y="5050819"/>
+            <a:off x="4857365" y="5060344"/>
             <a:ext cx="4327334" cy="0"/>
           </a:xfrm>
           <a:prstGeom prst="straightConnector1">
@@ -5055,7 +5055,7 @@
         </p:blipFill>
         <p:spPr bwMode="auto">
           <a:xfrm>
-            <a:off x="2175191" y="487249"/>
+            <a:off x="2337116" y="496774"/>
             <a:ext cx="469900" cy="469900"/>
           </a:xfrm>
           <a:prstGeom prst="rect">
@@ -5099,7 +5099,7 @@
         </p:blipFill>
         <p:spPr bwMode="auto">
           <a:xfrm>
-            <a:off x="9428130" y="2362452"/>
+            <a:off x="9590055" y="2371977"/>
             <a:ext cx="480391" cy="480391"/>
           </a:xfrm>
           <a:prstGeom prst="rect">
@@ -5146,7 +5146,7 @@
         </p:nvSpPr>
         <p:spPr bwMode="auto">
           <a:xfrm>
-            <a:off x="9013658" y="2846148"/>
+            <a:off x="9175583" y="2855673"/>
             <a:ext cx="1315970" cy="276999"/>
           </a:xfrm>
           <a:prstGeom prst="rect">
@@ -5322,7 +5322,7 @@
         </p:nvCxnSpPr>
         <p:spPr>
           <a:xfrm flipV="1">
-            <a:off x="9911786" y="955217"/>
+            <a:off x="10073711" y="964742"/>
             <a:ext cx="465427" cy="1"/>
           </a:xfrm>
           <a:prstGeom prst="straightConnector1">
@@ -5369,7 +5369,7 @@
         </p:nvCxnSpPr>
         <p:spPr>
           <a:xfrm flipV="1">
-            <a:off x="9908521" y="2602647"/>
+            <a:off x="10070446" y="2612172"/>
             <a:ext cx="468692" cy="1"/>
           </a:xfrm>
           <a:prstGeom prst="straightConnector1">
@@ -5427,7 +5427,7 @@
         </p:blipFill>
         <p:spPr bwMode="auto">
           <a:xfrm>
-            <a:off x="10377213" y="2374047"/>
+            <a:off x="10539138" y="2383572"/>
             <a:ext cx="457200" cy="457200"/>
           </a:xfrm>
           <a:prstGeom prst="rect">
@@ -5487,7 +5487,7 @@
         </p:blipFill>
         <p:spPr bwMode="auto">
           <a:xfrm>
-            <a:off x="10377213" y="726617"/>
+            <a:off x="10539138" y="736142"/>
             <a:ext cx="457200" cy="457200"/>
           </a:xfrm>
           <a:prstGeom prst="rect">
@@ -5547,7 +5547,7 @@
         </p:blipFill>
         <p:spPr bwMode="auto">
           <a:xfrm>
-            <a:off x="9431395" y="715022"/>
+            <a:off x="9593320" y="724547"/>
             <a:ext cx="480391" cy="480391"/>
           </a:xfrm>
           <a:prstGeom prst="rect">
@@ -5594,7 +5594,7 @@
         </p:nvSpPr>
         <p:spPr bwMode="auto">
           <a:xfrm>
-            <a:off x="9130886" y="1197288"/>
+            <a:off x="9292811" y="1206813"/>
             <a:ext cx="1073881" cy="276999"/>
           </a:xfrm>
           <a:prstGeom prst="rect">
@@ -5758,7 +5758,7 @@
         </p:nvSpPr>
         <p:spPr>
           <a:xfrm>
-            <a:off x="9022774" y="314754"/>
+            <a:off x="9184699" y="324279"/>
             <a:ext cx="2041359" cy="2820072"/>
           </a:xfrm>
           <a:prstGeom prst="rect">
@@ -5829,7 +5829,7 @@
         </p:nvSpPr>
         <p:spPr bwMode="auto">
           <a:xfrm>
-            <a:off x="10236381" y="2846148"/>
+            <a:off x="10398306" y="2855673"/>
             <a:ext cx="741196" cy="277589"/>
           </a:xfrm>
           <a:prstGeom prst="rect">
@@ -5995,7 +5995,7 @@
         </p:nvSpPr>
         <p:spPr bwMode="auto">
           <a:xfrm>
-            <a:off x="10241000" y="1197288"/>
+            <a:off x="10402925" y="1206813"/>
             <a:ext cx="741196" cy="277589"/>
           </a:xfrm>
           <a:prstGeom prst="rect">
@@ -6161,7 +6161,7 @@
         </p:nvSpPr>
         <p:spPr bwMode="auto">
           <a:xfrm>
-            <a:off x="10231760" y="2028728"/>
+            <a:off x="10393685" y="2038253"/>
             <a:ext cx="741196" cy="277589"/>
           </a:xfrm>
           <a:prstGeom prst="rect">
@@ -6329,7 +6329,7 @@
         </p:nvCxnSpPr>
         <p:spPr>
           <a:xfrm flipV="1">
-            <a:off x="9911369" y="1788532"/>
+            <a:off x="10073294" y="1798057"/>
             <a:ext cx="465844" cy="1"/>
           </a:xfrm>
           <a:prstGeom prst="straightConnector1">
@@ -6387,7 +6387,7 @@
         </p:blipFill>
         <p:spPr bwMode="auto">
           <a:xfrm>
-            <a:off x="9430978" y="1548337"/>
+            <a:off x="9592903" y="1557862"/>
             <a:ext cx="480391" cy="480391"/>
           </a:xfrm>
           <a:prstGeom prst="rect">
@@ -6434,7 +6434,7 @@
         </p:nvSpPr>
         <p:spPr bwMode="auto">
           <a:xfrm>
-            <a:off x="9108287" y="2028728"/>
+            <a:off x="9270212" y="2038253"/>
             <a:ext cx="1127653" cy="276999"/>
           </a:xfrm>
           <a:prstGeom prst="rect">
@@ -6608,7 +6608,7 @@
         </p:blipFill>
         <p:spPr bwMode="auto">
           <a:xfrm>
-            <a:off x="10377213" y="1559932"/>
+            <a:off x="10539138" y="1569457"/>
             <a:ext cx="457200" cy="457200"/>
           </a:xfrm>
           <a:prstGeom prst="rect">
@@ -6655,7 +6655,7 @@
         </p:nvSpPr>
         <p:spPr bwMode="auto">
           <a:xfrm>
-            <a:off x="7502323" y="4661803"/>
+            <a:off x="7664248" y="4671328"/>
             <a:ext cx="1059590" cy="276999"/>
           </a:xfrm>
           <a:prstGeom prst="rect">
@@ -6819,7 +6819,7 @@
         </p:nvCxnSpPr>
         <p:spPr>
           <a:xfrm flipV="1">
-            <a:off x="8561913" y="955218"/>
+            <a:off x="8723838" y="964743"/>
             <a:ext cx="869482" cy="3845085"/>
           </a:xfrm>
           <a:prstGeom prst="bentConnector3">
@@ -6866,7 +6866,7 @@
         </p:nvSpPr>
         <p:spPr bwMode="auto">
           <a:xfrm>
-            <a:off x="1580000" y="234385"/>
+            <a:off x="1741925" y="243910"/>
             <a:ext cx="1626345" cy="276999"/>
           </a:xfrm>
           <a:prstGeom prst="rect">
@@ -7017,7 +7017,7 @@
         </p:nvSpPr>
         <p:spPr>
           <a:xfrm>
-            <a:off x="209337" y="1413998"/>
+            <a:off x="371262" y="1423523"/>
             <a:ext cx="1263499" cy="1100603"/>
           </a:xfrm>
           <a:prstGeom prst="rect">
@@ -7103,7 +7103,7 @@
         </p:blipFill>
         <p:spPr bwMode="auto">
           <a:xfrm>
-            <a:off x="220962" y="1422449"/>
+            <a:off x="382887" y="1431974"/>
             <a:ext cx="274638" cy="274638"/>
           </a:xfrm>
           <a:prstGeom prst="rect">
@@ -7150,7 +7150,7 @@
         </p:nvSpPr>
         <p:spPr bwMode="auto">
           <a:xfrm>
-            <a:off x="277073" y="2259942"/>
+            <a:off x="438998" y="2269467"/>
             <a:ext cx="1121897" cy="276999"/>
           </a:xfrm>
           <a:prstGeom prst="rect">
@@ -7324,7 +7324,7 @@
         </p:blipFill>
         <p:spPr bwMode="auto">
           <a:xfrm>
-            <a:off x="611921" y="1865348"/>
+            <a:off x="773846" y="1874873"/>
             <a:ext cx="457200" cy="457200"/>
           </a:xfrm>
           <a:prstGeom prst="rect">
@@ -7369,7 +7369,7 @@
         </p:nvSpPr>
         <p:spPr>
           <a:xfrm>
-            <a:off x="1594064" y="1413998"/>
+            <a:off x="1755989" y="1423523"/>
             <a:ext cx="1263499" cy="1100603"/>
           </a:xfrm>
           <a:prstGeom prst="rect">
@@ -7455,7 +7455,7 @@
         </p:blipFill>
         <p:spPr bwMode="auto">
           <a:xfrm>
-            <a:off x="1605689" y="1422449"/>
+            <a:off x="1767614" y="1431974"/>
             <a:ext cx="274638" cy="274638"/>
           </a:xfrm>
           <a:prstGeom prst="rect">
@@ -7502,7 +7502,7 @@
         </p:nvSpPr>
         <p:spPr bwMode="auto">
           <a:xfrm>
-            <a:off x="1635050" y="2259941"/>
+            <a:off x="1796975" y="2269466"/>
             <a:ext cx="1175970" cy="276999"/>
           </a:xfrm>
           <a:prstGeom prst="rect">
@@ -7676,7 +7676,7 @@
         </p:blipFill>
         <p:spPr bwMode="auto">
           <a:xfrm>
-            <a:off x="1996648" y="1865348"/>
+            <a:off x="2158573" y="1874873"/>
             <a:ext cx="457200" cy="457200"/>
           </a:xfrm>
           <a:prstGeom prst="rect">

--- a/docs/images/quickstart-compliance-hipaa-architecture.pptx
+++ b/docs/images/quickstart-compliance-hipaa-architecture.pptx
@@ -225,7 +225,7 @@
           <a:p>
             <a:fld id="{49A7721D-1176-A640-AC48-B82F78C92D56}" type="datetimeFigureOut">
               <a:rPr lang="en-US" smtClean="0"/>
-              <a:t>4/30/2021</a:t>
+              <a:t>5/30/23</a:t>
             </a:fld>
             <a:endParaRPr lang="en-US" dirty="0"/>
           </a:p>
@@ -402,7 +402,7 @@
           <a:p>
             <a:fld id="{C884A089-FB25-6D46-9D21-F0F04A18BCA8}" type="datetimeFigureOut">
               <a:rPr lang="en-US" smtClean="0"/>
-              <a:t>4/30/2021</a:t>
+              <a:t>5/30/23</a:t>
             </a:fld>
             <a:endParaRPr lang="en-US" dirty="0"/>
           </a:p>
@@ -1169,7 +1169,7 @@
           <a:blip r:embed="rId2">
             <a:extLst>
               <a:ext uri="{96DAC541-7B7A-43D3-8B79-37D633B846F1}">
-                <asvg:svgBlip xmlns="" xmlns:asvg="http://schemas.microsoft.com/office/drawing/2016/SVG/main" r:embed="rId3"/>
+                <asvg:svgBlip xmlns:asvg="http://schemas.microsoft.com/office/drawing/2016/SVG/main" r:embed="rId3"/>
               </a:ext>
             </a:extLst>
           </a:blip>
@@ -1671,21 +1671,8 @@
                 <a:ea typeface="Amazon Ember" panose="020B0603020204020204" pitchFamily="34" charset="0"/>
                 <a:cs typeface="Arial" panose="020B0604020202020204" pitchFamily="34" charset="0"/>
               </a:rPr>
-              <a:t>AWS </a:t>
+              <a:t>AWS Site-to-Site VPN</a:t>
             </a:r>
-            <a:r>
-              <a:rPr lang="en-US" altLang="en-US" sz="1200" dirty="0" smtClean="0">
-                <a:latin typeface="+mn-lt"/>
-                <a:ea typeface="Amazon Ember" panose="020B0603020204020204" pitchFamily="34" charset="0"/>
-                <a:cs typeface="Arial" panose="020B0604020202020204" pitchFamily="34" charset="0"/>
-              </a:rPr>
-              <a:t>Site-to-Site VPN</a:t>
-            </a:r>
-            <a:endParaRPr lang="en-US" altLang="en-US" sz="1200" dirty="0">
-              <a:latin typeface="+mn-lt"/>
-              <a:ea typeface="Amazon Ember" panose="020B0603020204020204" pitchFamily="34" charset="0"/>
-              <a:cs typeface="Arial" panose="020B0604020202020204" pitchFamily="34" charset="0"/>
-            </a:endParaRPr>
           </a:p>
         </p:txBody>
       </p:sp>
@@ -1974,23 +1961,8 @@
                 </a:solidFill>
                 <a:cs typeface="Arial" panose="020B0604020202020204" pitchFamily="34" charset="0"/>
               </a:rPr>
-              <a:t>Customer </a:t>
+              <a:t>Customer connectivity</a:t>
             </a:r>
-            <a:r>
-              <a:rPr lang="en-US" sz="1200" dirty="0" smtClean="0">
-                <a:solidFill>
-                  <a:srgbClr val="5A6B86"/>
-                </a:solidFill>
-                <a:cs typeface="Arial" panose="020B0604020202020204" pitchFamily="34" charset="0"/>
-              </a:rPr>
-              <a:t>connectivity</a:t>
-            </a:r>
-            <a:endParaRPr lang="en-US" sz="1200" dirty="0">
-              <a:solidFill>
-                <a:srgbClr val="5A6B86"/>
-              </a:solidFill>
-              <a:cs typeface="Arial" panose="020B0604020202020204" pitchFamily="34" charset="0"/>
-            </a:endParaRPr>
           </a:p>
         </p:txBody>
       </p:sp>
@@ -2408,23 +2380,8 @@
                 </a:solidFill>
                 <a:cs typeface="Arial" panose="020B0604020202020204" pitchFamily="34" charset="0"/>
               </a:rPr>
-              <a:t>Availability </a:t>
+              <a:t>Availability Zone 1</a:t>
             </a:r>
-            <a:r>
-              <a:rPr lang="en-US" sz="1200" dirty="0" smtClean="0">
-                <a:solidFill>
-                  <a:srgbClr val="5B9CD5"/>
-                </a:solidFill>
-                <a:cs typeface="Arial" panose="020B0604020202020204" pitchFamily="34" charset="0"/>
-              </a:rPr>
-              <a:t>Zone 1</a:t>
-            </a:r>
-            <a:endParaRPr lang="en-US" sz="1200" dirty="0">
-              <a:solidFill>
-                <a:srgbClr val="5B9CD5"/>
-              </a:solidFill>
-              <a:cs typeface="Arial" panose="020B0604020202020204" pitchFamily="34" charset="0"/>
-            </a:endParaRPr>
           </a:p>
         </p:txBody>
       </p:sp>
@@ -2492,23 +2449,8 @@
                 </a:solidFill>
                 <a:cs typeface="Arial" panose="020B0604020202020204" pitchFamily="34" charset="0"/>
               </a:rPr>
-              <a:t>Availability </a:t>
+              <a:t>Availability Zone 2</a:t>
             </a:r>
-            <a:r>
-              <a:rPr lang="en-US" sz="1200" dirty="0" smtClean="0">
-                <a:solidFill>
-                  <a:srgbClr val="5B9CD5"/>
-                </a:solidFill>
-                <a:cs typeface="Arial" panose="020B0604020202020204" pitchFamily="34" charset="0"/>
-              </a:rPr>
-              <a:t>Zone 2</a:t>
-            </a:r>
-            <a:endParaRPr lang="en-US" sz="1200" dirty="0">
-              <a:solidFill>
-                <a:srgbClr val="5B9CD5"/>
-              </a:solidFill>
-              <a:cs typeface="Arial" panose="020B0604020202020204" pitchFamily="34" charset="0"/>
-            </a:endParaRPr>
           </a:p>
         </p:txBody>
       </p:sp>
@@ -3188,23 +3130,8 @@
                 </a:solidFill>
                 <a:cs typeface="Arial" panose="020B0604020202020204" pitchFamily="34" charset="0"/>
               </a:rPr>
-              <a:t>Availability </a:t>
+              <a:t>Availability Zone 1</a:t>
             </a:r>
-            <a:r>
-              <a:rPr lang="en-US" sz="1200" dirty="0" smtClean="0">
-                <a:solidFill>
-                  <a:srgbClr val="5B9CD5"/>
-                </a:solidFill>
-                <a:cs typeface="Arial" panose="020B0604020202020204" pitchFamily="34" charset="0"/>
-              </a:rPr>
-              <a:t>Zone 1</a:t>
-            </a:r>
-            <a:endParaRPr lang="en-US" sz="1200" dirty="0">
-              <a:solidFill>
-                <a:srgbClr val="5B9CD5"/>
-              </a:solidFill>
-              <a:cs typeface="Arial" panose="020B0604020202020204" pitchFamily="34" charset="0"/>
-            </a:endParaRPr>
           </a:p>
         </p:txBody>
       </p:sp>
@@ -3403,23 +3330,8 @@
                 </a:solidFill>
                 <a:cs typeface="Arial" panose="020B0604020202020204" pitchFamily="34" charset="0"/>
               </a:rPr>
-              <a:t>Availability </a:t>
+              <a:t>Availability Zone 2</a:t>
             </a:r>
-            <a:r>
-              <a:rPr lang="en-US" sz="1200" dirty="0" smtClean="0">
-                <a:solidFill>
-                  <a:srgbClr val="5B9CD5"/>
-                </a:solidFill>
-                <a:cs typeface="Arial" panose="020B0604020202020204" pitchFamily="34" charset="0"/>
-              </a:rPr>
-              <a:t>Zone 2</a:t>
-            </a:r>
-            <a:endParaRPr lang="en-US" sz="1200" dirty="0">
-              <a:solidFill>
-                <a:srgbClr val="5B9CD5"/>
-              </a:solidFill>
-              <a:cs typeface="Arial" panose="020B0604020202020204" pitchFamily="34" charset="0"/>
-            </a:endParaRPr>
           </a:p>
         </p:txBody>
       </p:sp>
@@ -3968,23 +3880,8 @@
                 </a:solidFill>
                 <a:cs typeface="Arial" panose="020B0604020202020204" pitchFamily="34" charset="0"/>
               </a:rPr>
-              <a:t>Availability </a:t>
+              <a:t>Availability Zone 1</a:t>
             </a:r>
-            <a:r>
-              <a:rPr lang="en-US" sz="1200" dirty="0" smtClean="0">
-                <a:solidFill>
-                  <a:srgbClr val="5B9CD5"/>
-                </a:solidFill>
-                <a:cs typeface="Arial" panose="020B0604020202020204" pitchFamily="34" charset="0"/>
-              </a:rPr>
-              <a:t>Zone 1</a:t>
-            </a:r>
-            <a:endParaRPr lang="en-US" sz="1200" dirty="0">
-              <a:solidFill>
-                <a:srgbClr val="5B9CD5"/>
-              </a:solidFill>
-              <a:cs typeface="Arial" panose="020B0604020202020204" pitchFamily="34" charset="0"/>
-            </a:endParaRPr>
           </a:p>
         </p:txBody>
       </p:sp>
@@ -4183,23 +4080,8 @@
                 </a:solidFill>
                 <a:cs typeface="Arial" panose="020B0604020202020204" pitchFamily="34" charset="0"/>
               </a:rPr>
-              <a:t>Availability </a:t>
+              <a:t>Availability Zone 2</a:t>
             </a:r>
-            <a:r>
-              <a:rPr lang="en-US" sz="1200" dirty="0" smtClean="0">
-                <a:solidFill>
-                  <a:srgbClr val="5B9CD5"/>
-                </a:solidFill>
-                <a:cs typeface="Arial" panose="020B0604020202020204" pitchFamily="34" charset="0"/>
-              </a:rPr>
-              <a:t>Zone 2</a:t>
-            </a:r>
-            <a:endParaRPr lang="en-US" sz="1200" dirty="0">
-              <a:solidFill>
-                <a:srgbClr val="5B9CD5"/>
-              </a:solidFill>
-              <a:cs typeface="Arial" panose="020B0604020202020204" pitchFamily="34" charset="0"/>
-            </a:endParaRPr>
           </a:p>
         </p:txBody>
       </p:sp>
@@ -4638,18 +4520,13 @@
           <a:p>
             <a:pPr algn="ctr" eaLnBrk="1" hangingPunct="1"/>
             <a:r>
-              <a:rPr lang="en-US" altLang="en-US" sz="1200" dirty="0" smtClean="0">
+              <a:rPr lang="en-US" altLang="en-US" sz="1200" dirty="0">
                 <a:latin typeface="+mn-lt"/>
                 <a:ea typeface="Amazon Ember" panose="020B0603020204020204" pitchFamily="34" charset="0"/>
                 <a:cs typeface="Arial" panose="020B0604020202020204" pitchFamily="34" charset="0"/>
               </a:rPr>
               <a:t>IAM</a:t>
             </a:r>
-            <a:endParaRPr lang="en-US" altLang="en-US" sz="1200" dirty="0">
-              <a:latin typeface="+mn-lt"/>
-              <a:ea typeface="Amazon Ember" panose="020B0603020204020204" pitchFamily="34" charset="0"/>
-              <a:cs typeface="Arial" panose="020B0604020202020204" pitchFamily="34" charset="0"/>
-            </a:endParaRPr>
           </a:p>
         </p:txBody>
       </p:sp>
@@ -4864,18 +4741,13 @@
           <a:p>
             <a:pPr algn="ctr" eaLnBrk="1" hangingPunct="1"/>
             <a:r>
-              <a:rPr lang="en-US" altLang="en-US" sz="1200" dirty="0" smtClean="0">
+              <a:rPr lang="en-US" altLang="en-US" sz="1200" dirty="0">
                 <a:latin typeface="+mn-lt"/>
                 <a:ea typeface="Amazon Ember" panose="020B0603020204020204" pitchFamily="34" charset="0"/>
                 <a:cs typeface="Arial" panose="020B0604020202020204" pitchFamily="34" charset="0"/>
               </a:rPr>
               <a:t>SNS</a:t>
             </a:r>
-            <a:endParaRPr lang="en-US" altLang="en-US" sz="1200" dirty="0">
-              <a:latin typeface="+mn-lt"/>
-              <a:ea typeface="Amazon Ember" panose="020B0603020204020204" pitchFamily="34" charset="0"/>
-              <a:cs typeface="Arial" panose="020B0604020202020204" pitchFamily="34" charset="0"/>
-            </a:endParaRPr>
           </a:p>
         </p:txBody>
       </p:sp>
@@ -4943,41 +4815,8 @@
                 </a:solidFill>
                 <a:cs typeface="Arial" panose="020B0604020202020204" pitchFamily="34" charset="0"/>
               </a:rPr>
-              <a:t>Access </a:t>
+              <a:t>Access control and alerting</a:t>
             </a:r>
-            <a:r>
-              <a:rPr lang="en-US" sz="1200" dirty="0" smtClean="0">
-                <a:solidFill>
-                  <a:srgbClr val="5A6B86"/>
-                </a:solidFill>
-                <a:cs typeface="Arial" panose="020B0604020202020204" pitchFamily="34" charset="0"/>
-              </a:rPr>
-              <a:t>control </a:t>
-            </a:r>
-            <a:r>
-              <a:rPr lang="en-US" sz="1200" dirty="0">
-                <a:solidFill>
-                  <a:srgbClr val="5A6B86"/>
-                </a:solidFill>
-                <a:cs typeface="Arial" panose="020B0604020202020204" pitchFamily="34" charset="0"/>
-              </a:rPr>
-              <a:t>and </a:t>
-            </a:r>
-            <a:r>
-              <a:rPr lang="en-US" sz="1200" dirty="0" smtClean="0">
-                <a:solidFill>
-                  <a:srgbClr val="5A6B86"/>
-                </a:solidFill>
-                <a:cs typeface="Arial" panose="020B0604020202020204" pitchFamily="34" charset="0"/>
-              </a:rPr>
-              <a:t>alerting</a:t>
-            </a:r>
-            <a:endParaRPr lang="en-US" sz="1200" dirty="0">
-              <a:solidFill>
-                <a:srgbClr val="5A6B86"/>
-              </a:solidFill>
-              <a:cs typeface="Arial" panose="020B0604020202020204" pitchFamily="34" charset="0"/>
-            </a:endParaRPr>
           </a:p>
         </p:txBody>
       </p:sp>
@@ -5067,7 +4906,6 @@
           <a:ln>
             <a:noFill/>
           </a:ln>
-          <a:extLst/>
         </p:spPr>
       </p:pic>
       <p:pic>
@@ -5286,71 +5124,11 @@
                 <a:ea typeface="Amazon Ember" panose="020B0603020204020204" pitchFamily="34" charset="0"/>
                 <a:cs typeface="Arial" panose="020B0604020202020204" pitchFamily="34" charset="0"/>
               </a:rPr>
-              <a:t>C</a:t>
+              <a:t>CloudTrail</a:t>
             </a:r>
-            <a:r>
-              <a:rPr lang="en-US" altLang="en-US" sz="1200" dirty="0" smtClean="0">
-                <a:latin typeface="+mn-lt"/>
-                <a:ea typeface="Amazon Ember" panose="020B0603020204020204" pitchFamily="34" charset="0"/>
-                <a:cs typeface="Arial" panose="020B0604020202020204" pitchFamily="34" charset="0"/>
-              </a:rPr>
-              <a:t>loudTrail</a:t>
-            </a:r>
-            <a:endParaRPr lang="en-US" altLang="en-US" sz="1200" dirty="0">
-              <a:latin typeface="+mn-lt"/>
-              <a:ea typeface="Amazon Ember" panose="020B0603020204020204" pitchFamily="34" charset="0"/>
-              <a:cs typeface="Arial" panose="020B0604020202020204" pitchFamily="34" charset="0"/>
-            </a:endParaRPr>
           </a:p>
         </p:txBody>
       </p:sp>
-      <p:cxnSp>
-        <p:nvCxnSpPr>
-          <p:cNvPr id="84" name="Straight Arrow Connector 83">
-            <a:extLst>
-              <a:ext uri="{FF2B5EF4-FFF2-40B4-BE49-F238E27FC236}">
-                <a16:creationId xmlns:a16="http://schemas.microsoft.com/office/drawing/2014/main" id="{C3F4583D-0A13-4DF5-A89D-FA364CD3ED42}"/>
-              </a:ext>
-            </a:extLst>
-          </p:cNvPr>
-          <p:cNvCxnSpPr>
-            <a:cxnSpLocks/>
-            <a:stCxn id="95" idx="3"/>
-            <a:endCxn id="93" idx="1"/>
-          </p:cNvCxnSpPr>
-          <p:nvPr/>
-        </p:nvCxnSpPr>
-        <p:spPr>
-          <a:xfrm flipV="1">
-            <a:off x="10073711" y="964742"/>
-            <a:ext cx="465427" cy="1"/>
-          </a:xfrm>
-          <a:prstGeom prst="straightConnector1">
-            <a:avLst/>
-          </a:prstGeom>
-          <a:ln w="12700">
-            <a:solidFill>
-              <a:srgbClr val="545B64"/>
-            </a:solidFill>
-            <a:headEnd type="none" w="med" len="sm"/>
-            <a:tailEnd type="arrow" w="med" len="sm"/>
-          </a:ln>
-        </p:spPr>
-        <p:style>
-          <a:lnRef idx="1">
-            <a:schemeClr val="accent1"/>
-          </a:lnRef>
-          <a:fillRef idx="0">
-            <a:schemeClr val="accent1"/>
-          </a:fillRef>
-          <a:effectRef idx="0">
-            <a:schemeClr val="accent1"/>
-          </a:effectRef>
-          <a:fontRef idx="minor">
-            <a:schemeClr val="tx1"/>
-          </a:fontRef>
-        </p:style>
-      </p:cxnSp>
       <p:cxnSp>
         <p:nvCxnSpPr>
           <p:cNvPr id="87" name="Straight Arrow Connector 86">
@@ -5460,66 +5238,6 @@
       </p:pic>
       <p:pic>
         <p:nvPicPr>
-          <p:cNvPr id="93" name="Graphic 14">
-            <a:extLst>
-              <a:ext uri="{FF2B5EF4-FFF2-40B4-BE49-F238E27FC236}">
-                <a16:creationId xmlns:a16="http://schemas.microsoft.com/office/drawing/2014/main" id="{3B6C367A-DF0B-4145-BC22-1066579E478D}"/>
-              </a:ext>
-            </a:extLst>
-          </p:cNvPr>
-          <p:cNvPicPr>
-            <a:picLocks noChangeAspect="1" noChangeArrowheads="1"/>
-          </p:cNvPicPr>
-          <p:nvPr/>
-        </p:nvPicPr>
-        <p:blipFill>
-          <a:blip r:embed="rId14">
-            <a:extLst>
-              <a:ext uri="{28A0092B-C50C-407E-A947-70E740481C1C}">
-                <a14:useLocalDpi xmlns:a14="http://schemas.microsoft.com/office/drawing/2010/main" val="0"/>
-              </a:ext>
-            </a:extLst>
-          </a:blip>
-          <a:srcRect/>
-          <a:stretch>
-            <a:fillRect/>
-          </a:stretch>
-        </p:blipFill>
-        <p:spPr bwMode="auto">
-          <a:xfrm>
-            <a:off x="10539138" y="736142"/>
-            <a:ext cx="457200" cy="457200"/>
-          </a:xfrm>
-          <a:prstGeom prst="rect">
-            <a:avLst/>
-          </a:prstGeom>
-          <a:noFill/>
-          <a:ln>
-            <a:noFill/>
-          </a:ln>
-          <a:extLst>
-            <a:ext uri="{909E8E84-426E-40DD-AFC4-6F175D3DCCD1}">
-              <a14:hiddenFill xmlns:a14="http://schemas.microsoft.com/office/drawing/2010/main">
-                <a:solidFill>
-                  <a:srgbClr val="FFFFFF"/>
-                </a:solidFill>
-              </a14:hiddenFill>
-            </a:ext>
-            <a:ext uri="{91240B29-F687-4F45-9708-019B960494DF}">
-              <a14:hiddenLine xmlns:a14="http://schemas.microsoft.com/office/drawing/2010/main" w="9525">
-                <a:solidFill>
-                  <a:srgbClr val="000000"/>
-                </a:solidFill>
-                <a:miter lim="800000"/>
-                <a:headEnd/>
-                <a:tailEnd/>
-              </a14:hiddenLine>
-            </a:ext>
-          </a:extLst>
-        </p:spPr>
-      </p:pic>
-      <p:pic>
-        <p:nvPicPr>
           <p:cNvPr id="95" name="Graphic 17">
             <a:extLst>
               <a:ext uri="{FF2B5EF4-FFF2-40B4-BE49-F238E27FC236}">
@@ -5729,18 +5447,13 @@
           <a:p>
             <a:pPr algn="ctr" eaLnBrk="1" hangingPunct="1"/>
             <a:r>
-              <a:rPr lang="en-US" altLang="en-US" sz="1200" dirty="0" smtClean="0">
+              <a:rPr lang="en-US" altLang="en-US" sz="1200" dirty="0">
                 <a:latin typeface="+mn-lt"/>
                 <a:ea typeface="Amazon Ember" panose="020B0603020204020204" pitchFamily="34" charset="0"/>
                 <a:cs typeface="Arial" panose="020B0604020202020204" pitchFamily="34" charset="0"/>
               </a:rPr>
               <a:t>CloudWatch</a:t>
             </a:r>
-            <a:endParaRPr lang="en-US" altLang="en-US" sz="1200" dirty="0">
-              <a:latin typeface="+mn-lt"/>
-              <a:ea typeface="Amazon Ember" panose="020B0603020204020204" pitchFamily="34" charset="0"/>
-              <a:cs typeface="Arial" panose="020B0604020202020204" pitchFamily="34" charset="0"/>
-            </a:endParaRPr>
           </a:p>
         </p:txBody>
       </p:sp>
@@ -5964,184 +5677,13 @@
           <a:p>
             <a:pPr algn="ctr"/>
             <a:r>
-              <a:rPr lang="en-US" altLang="en-US" sz="1200" dirty="0" smtClean="0">
+              <a:rPr lang="en-US" altLang="en-US" sz="1200" dirty="0">
                 <a:latin typeface="+mn-lt"/>
                 <a:ea typeface="Amazon Ember" panose="020B0603020204020204" pitchFamily="34" charset="0"/>
                 <a:cs typeface="Arial" panose="020B0604020202020204" pitchFamily="34" charset="0"/>
               </a:rPr>
               <a:t>S3</a:t>
             </a:r>
-            <a:endParaRPr lang="en-US" altLang="en-US" sz="1200" dirty="0">
-              <a:latin typeface="+mn-lt"/>
-              <a:ea typeface="Amazon Ember" panose="020B0603020204020204" pitchFamily="34" charset="0"/>
-              <a:cs typeface="Arial" panose="020B0604020202020204" pitchFamily="34" charset="0"/>
-            </a:endParaRPr>
-          </a:p>
-        </p:txBody>
-      </p:sp>
-      <p:sp>
-        <p:nvSpPr>
-          <p:cNvPr id="99" name="TextBox 9">
-            <a:extLst>
-              <a:ext uri="{FF2B5EF4-FFF2-40B4-BE49-F238E27FC236}">
-                <a16:creationId xmlns:a16="http://schemas.microsoft.com/office/drawing/2014/main" id="{7513BD9D-E4A6-41DD-AECB-83AC865DB564}"/>
-              </a:ext>
-            </a:extLst>
-          </p:cNvPr>
-          <p:cNvSpPr txBox="1">
-            <a:spLocks noChangeArrowheads="1"/>
-          </p:cNvSpPr>
-          <p:nvPr/>
-        </p:nvSpPr>
-        <p:spPr bwMode="auto">
-          <a:xfrm>
-            <a:off x="10402925" y="1206813"/>
-            <a:ext cx="741196" cy="277589"/>
-          </a:xfrm>
-          <a:prstGeom prst="rect">
-            <a:avLst/>
-          </a:prstGeom>
-          <a:noFill/>
-          <a:ln>
-            <a:noFill/>
-          </a:ln>
-          <a:extLst>
-            <a:ext uri="{909E8E84-426E-40DD-AFC4-6F175D3DCCD1}">
-              <a14:hiddenFill xmlns:a14="http://schemas.microsoft.com/office/drawing/2010/main">
-                <a:solidFill>
-                  <a:srgbClr val="FFFFFF"/>
-                </a:solidFill>
-              </a14:hiddenFill>
-            </a:ext>
-            <a:ext uri="{91240B29-F687-4F45-9708-019B960494DF}">
-              <a14:hiddenLine xmlns:a14="http://schemas.microsoft.com/office/drawing/2010/main" w="9525">
-                <a:solidFill>
-                  <a:srgbClr val="000000"/>
-                </a:solidFill>
-                <a:miter lim="800000"/>
-                <a:headEnd/>
-                <a:tailEnd/>
-              </a14:hiddenLine>
-            </a:ext>
-          </a:extLst>
-        </p:spPr>
-        <p:txBody>
-          <a:bodyPr wrap="square">
-            <a:spAutoFit/>
-          </a:bodyPr>
-          <a:lstStyle>
-            <a:lvl1pPr>
-              <a:defRPr>
-                <a:solidFill>
-                  <a:schemeClr val="tx1"/>
-                </a:solidFill>
-                <a:latin typeface="Calibri" panose="020F0502020204030204" pitchFamily="34" charset="0"/>
-              </a:defRPr>
-            </a:lvl1pPr>
-            <a:lvl2pPr marL="742950" indent="-285750">
-              <a:defRPr>
-                <a:solidFill>
-                  <a:schemeClr val="tx1"/>
-                </a:solidFill>
-                <a:latin typeface="Calibri" panose="020F0502020204030204" pitchFamily="34" charset="0"/>
-              </a:defRPr>
-            </a:lvl2pPr>
-            <a:lvl3pPr marL="1143000" indent="-228600">
-              <a:defRPr>
-                <a:solidFill>
-                  <a:schemeClr val="tx1"/>
-                </a:solidFill>
-                <a:latin typeface="Calibri" panose="020F0502020204030204" pitchFamily="34" charset="0"/>
-              </a:defRPr>
-            </a:lvl3pPr>
-            <a:lvl4pPr marL="1600200" indent="-228600">
-              <a:defRPr>
-                <a:solidFill>
-                  <a:schemeClr val="tx1"/>
-                </a:solidFill>
-                <a:latin typeface="Calibri" panose="020F0502020204030204" pitchFamily="34" charset="0"/>
-              </a:defRPr>
-            </a:lvl4pPr>
-            <a:lvl5pPr marL="2057400" indent="-228600">
-              <a:defRPr>
-                <a:solidFill>
-                  <a:schemeClr val="tx1"/>
-                </a:solidFill>
-                <a:latin typeface="Calibri" panose="020F0502020204030204" pitchFamily="34" charset="0"/>
-              </a:defRPr>
-            </a:lvl5pPr>
-            <a:lvl6pPr marL="2514600" indent="-228600" eaLnBrk="0" fontAlgn="base" hangingPunct="0">
-              <a:spcBef>
-                <a:spcPct val="0"/>
-              </a:spcBef>
-              <a:spcAft>
-                <a:spcPct val="0"/>
-              </a:spcAft>
-              <a:defRPr>
-                <a:solidFill>
-                  <a:schemeClr val="tx1"/>
-                </a:solidFill>
-                <a:latin typeface="Calibri" panose="020F0502020204030204" pitchFamily="34" charset="0"/>
-              </a:defRPr>
-            </a:lvl6pPr>
-            <a:lvl7pPr marL="2971800" indent="-228600" eaLnBrk="0" fontAlgn="base" hangingPunct="0">
-              <a:spcBef>
-                <a:spcPct val="0"/>
-              </a:spcBef>
-              <a:spcAft>
-                <a:spcPct val="0"/>
-              </a:spcAft>
-              <a:defRPr>
-                <a:solidFill>
-                  <a:schemeClr val="tx1"/>
-                </a:solidFill>
-                <a:latin typeface="Calibri" panose="020F0502020204030204" pitchFamily="34" charset="0"/>
-              </a:defRPr>
-            </a:lvl7pPr>
-            <a:lvl8pPr marL="3429000" indent="-228600" eaLnBrk="0" fontAlgn="base" hangingPunct="0">
-              <a:spcBef>
-                <a:spcPct val="0"/>
-              </a:spcBef>
-              <a:spcAft>
-                <a:spcPct val="0"/>
-              </a:spcAft>
-              <a:defRPr>
-                <a:solidFill>
-                  <a:schemeClr val="tx1"/>
-                </a:solidFill>
-                <a:latin typeface="Calibri" panose="020F0502020204030204" pitchFamily="34" charset="0"/>
-              </a:defRPr>
-            </a:lvl8pPr>
-            <a:lvl9pPr marL="3886200" indent="-228600" eaLnBrk="0" fontAlgn="base" hangingPunct="0">
-              <a:spcBef>
-                <a:spcPct val="0"/>
-              </a:spcBef>
-              <a:spcAft>
-                <a:spcPct val="0"/>
-              </a:spcAft>
-              <a:defRPr>
-                <a:solidFill>
-                  <a:schemeClr val="tx1"/>
-                </a:solidFill>
-                <a:latin typeface="Calibri" panose="020F0502020204030204" pitchFamily="34" charset="0"/>
-              </a:defRPr>
-            </a:lvl9pPr>
-          </a:lstStyle>
-          <a:p>
-            <a:pPr algn="ctr"/>
-            <a:r>
-              <a:rPr lang="en-US" altLang="en-US" sz="1200" dirty="0" smtClean="0">
-                <a:latin typeface="+mn-lt"/>
-                <a:ea typeface="Amazon Ember" panose="020B0603020204020204" pitchFamily="34" charset="0"/>
-                <a:cs typeface="Arial" panose="020B0604020202020204" pitchFamily="34" charset="0"/>
-              </a:rPr>
-              <a:t>S3</a:t>
-            </a:r>
-            <a:endParaRPr lang="en-US" altLang="en-US" sz="1200" dirty="0">
-              <a:latin typeface="+mn-lt"/>
-              <a:ea typeface="Amazon Ember" panose="020B0603020204020204" pitchFamily="34" charset="0"/>
-              <a:cs typeface="Arial" panose="020B0604020202020204" pitchFamily="34" charset="0"/>
-            </a:endParaRPr>
           </a:p>
         </p:txBody>
       </p:sp>
@@ -6296,18 +5838,13 @@
           <a:p>
             <a:pPr algn="ctr"/>
             <a:r>
-              <a:rPr lang="en-US" altLang="en-US" sz="1200" dirty="0" smtClean="0">
+              <a:rPr lang="en-US" altLang="en-US" sz="1200" dirty="0">
                 <a:latin typeface="+mn-lt"/>
                 <a:ea typeface="Amazon Ember" panose="020B0603020204020204" pitchFamily="34" charset="0"/>
                 <a:cs typeface="Arial" panose="020B0604020202020204" pitchFamily="34" charset="0"/>
               </a:rPr>
               <a:t>S3</a:t>
             </a:r>
-            <a:endParaRPr lang="en-US" altLang="en-US" sz="1200" dirty="0">
-              <a:latin typeface="+mn-lt"/>
-              <a:ea typeface="Amazon Ember" panose="020B0603020204020204" pitchFamily="34" charset="0"/>
-              <a:cs typeface="Arial" panose="020B0604020202020204" pitchFamily="34" charset="0"/>
-            </a:endParaRPr>
           </a:p>
         </p:txBody>
       </p:sp>
@@ -6790,20 +6327,12 @@
           <a:p>
             <a:pPr algn="ctr" eaLnBrk="1" hangingPunct="1"/>
             <a:r>
-              <a:rPr lang="en-US" altLang="en-US" sz="1200" dirty="0" smtClean="0">
-                <a:latin typeface="+mn-lt"/>
-                <a:ea typeface="Amazon Ember" panose="020B0603020204020204" pitchFamily="34" charset="0"/>
-                <a:cs typeface="Arial" panose="020B0604020202020204" pitchFamily="34" charset="0"/>
-              </a:rPr>
-              <a:t>All flow </a:t>
-            </a:r>
-            <a:r>
               <a:rPr lang="en-US" altLang="en-US" sz="1200" dirty="0">
                 <a:latin typeface="+mn-lt"/>
                 <a:ea typeface="Amazon Ember" panose="020B0603020204020204" pitchFamily="34" charset="0"/>
                 <a:cs typeface="Arial" panose="020B0604020202020204" pitchFamily="34" charset="0"/>
               </a:rPr>
-              <a:t>logs</a:t>
+              <a:t>All flow logs</a:t>
             </a:r>
           </a:p>
         </p:txBody>
@@ -6876,7 +6405,6 @@
           <a:ln>
             <a:noFill/>
           </a:ln>
-          <a:extLst/>
         </p:spPr>
         <p:txBody>
           <a:bodyPr wrap="square" lIns="0" rIns="0">
@@ -6987,19 +6515,8 @@
                 <a:latin typeface="+mn-lt"/>
                 <a:cs typeface="Arial" panose="020B0604020202020204" pitchFamily="34" charset="0"/>
               </a:rPr>
-              <a:t>Internet </a:t>
+              <a:t>Internet gateway</a:t>
             </a:r>
-            <a:r>
-              <a:rPr lang="en-US" altLang="en-US" sz="1200" dirty="0" smtClean="0">
-                <a:latin typeface="+mn-lt"/>
-                <a:cs typeface="Arial" panose="020B0604020202020204" pitchFamily="34" charset="0"/>
-              </a:rPr>
-              <a:t>gateway</a:t>
-            </a:r>
-            <a:endParaRPr lang="en-US" altLang="en-US" sz="1200" dirty="0">
-              <a:latin typeface="+mn-lt"/>
-              <a:cs typeface="Arial" panose="020B0604020202020204" pitchFamily="34" charset="0"/>
-            </a:endParaRPr>
           </a:p>
         </p:txBody>
       </p:sp>
@@ -7755,7 +7272,7 @@
           <a:blip r:embed="rId2">
             <a:extLst>
               <a:ext uri="{96DAC541-7B7A-43D3-8B79-37D633B846F1}">
-                <asvg:svgBlip xmlns="" xmlns:asvg="http://schemas.microsoft.com/office/drawing/2016/SVG/main" r:embed="rId3"/>
+                <asvg:svgBlip xmlns:asvg="http://schemas.microsoft.com/office/drawing/2016/SVG/main" r:embed="rId3"/>
               </a:ext>
             </a:extLst>
           </a:blip>
@@ -9616,23 +9133,7 @@
                 <a:ea typeface="Amazon Ember" panose="020B0603020204020204" pitchFamily="34" charset="0"/>
                 <a:cs typeface="Arial" panose="020B0604020202020204" pitchFamily="34" charset="0"/>
               </a:rPr>
-              <a:t>AWS </a:t>
-            </a:r>
-            <a:r>
-              <a:rPr lang="en-US" altLang="en-US" sz="1200" dirty="0" smtClean="0">
-                <a:latin typeface="+mn-lt"/>
-                <a:ea typeface="Amazon Ember" panose="020B0603020204020204" pitchFamily="34" charset="0"/>
-                <a:cs typeface="Arial" panose="020B0604020202020204" pitchFamily="34" charset="0"/>
-              </a:rPr>
-              <a:t>Site-to-Site </a:t>
-            </a:r>
-            <a:r>
-              <a:rPr lang="en-US" altLang="en-US" sz="1200" dirty="0">
-                <a:latin typeface="+mn-lt"/>
-                <a:ea typeface="Amazon Ember" panose="020B0603020204020204" pitchFamily="34" charset="0"/>
-                <a:cs typeface="Arial" panose="020B0604020202020204" pitchFamily="34" charset="0"/>
-              </a:rPr>
-              <a:t>VPN</a:t>
+              <a:t>AWS Site-to-Site VPN</a:t>
             </a:r>
           </a:p>
         </p:txBody>
@@ -9922,23 +9423,8 @@
                 </a:solidFill>
                 <a:cs typeface="Arial" panose="020B0604020202020204" pitchFamily="34" charset="0"/>
               </a:rPr>
-              <a:t>Customer </a:t>
+              <a:t>Customer connectivity</a:t>
             </a:r>
-            <a:r>
-              <a:rPr lang="en-US" sz="1200" dirty="0" smtClean="0">
-                <a:solidFill>
-                  <a:srgbClr val="5A6B86"/>
-                </a:solidFill>
-                <a:cs typeface="Arial" panose="020B0604020202020204" pitchFamily="34" charset="0"/>
-              </a:rPr>
-              <a:t>connectivity</a:t>
-            </a:r>
-            <a:endParaRPr lang="en-US" sz="1200" dirty="0">
-              <a:solidFill>
-                <a:srgbClr val="5A6B86"/>
-              </a:solidFill>
-              <a:cs typeface="Arial" panose="020B0604020202020204" pitchFamily="34" charset="0"/>
-            </a:endParaRPr>
           </a:p>
         </p:txBody>
       </p:sp>
@@ -10200,18 +9686,13 @@
           <a:p>
             <a:pPr algn="ctr" eaLnBrk="1" hangingPunct="1"/>
             <a:r>
-              <a:rPr lang="en-US" altLang="en-US" sz="1200" dirty="0" smtClean="0">
+              <a:rPr lang="en-US" altLang="en-US" sz="1200" dirty="0">
                 <a:latin typeface="+mn-lt"/>
                 <a:ea typeface="Amazon Ember" panose="020B0603020204020204" pitchFamily="34" charset="0"/>
                 <a:cs typeface="Arial" panose="020B0604020202020204" pitchFamily="34" charset="0"/>
               </a:rPr>
               <a:t>AIM</a:t>
             </a:r>
-            <a:endParaRPr lang="en-US" altLang="en-US" sz="1200" dirty="0">
-              <a:latin typeface="+mn-lt"/>
-              <a:ea typeface="Amazon Ember" panose="020B0603020204020204" pitchFamily="34" charset="0"/>
-              <a:cs typeface="Arial" panose="020B0604020202020204" pitchFamily="34" charset="0"/>
-            </a:endParaRPr>
           </a:p>
         </p:txBody>
       </p:sp>
@@ -10426,18 +9907,13 @@
           <a:p>
             <a:pPr algn="ctr" eaLnBrk="1" hangingPunct="1"/>
             <a:r>
-              <a:rPr lang="en-US" altLang="en-US" sz="1200" dirty="0" smtClean="0">
+              <a:rPr lang="en-US" altLang="en-US" sz="1200" dirty="0">
                 <a:latin typeface="+mn-lt"/>
                 <a:ea typeface="Amazon Ember" panose="020B0603020204020204" pitchFamily="34" charset="0"/>
                 <a:cs typeface="Arial" panose="020B0604020202020204" pitchFamily="34" charset="0"/>
               </a:rPr>
               <a:t>Amazon SNS</a:t>
             </a:r>
-            <a:endParaRPr lang="en-US" altLang="en-US" sz="1200" dirty="0">
-              <a:latin typeface="+mn-lt"/>
-              <a:ea typeface="Amazon Ember" panose="020B0603020204020204" pitchFamily="34" charset="0"/>
-              <a:cs typeface="Arial" panose="020B0604020202020204" pitchFamily="34" charset="0"/>
-            </a:endParaRPr>
           </a:p>
         </p:txBody>
       </p:sp>
@@ -10657,21 +10133,8 @@
                 <a:ea typeface="Amazon Ember" panose="020B0603020204020204" pitchFamily="34" charset="0"/>
                 <a:cs typeface="Arial" panose="020B0604020202020204" pitchFamily="34" charset="0"/>
               </a:rPr>
-              <a:t>C</a:t>
+              <a:t>CloudTrail</a:t>
             </a:r>
-            <a:r>
-              <a:rPr lang="en-US" altLang="en-US" sz="1200" dirty="0" smtClean="0">
-                <a:latin typeface="+mn-lt"/>
-                <a:ea typeface="Amazon Ember" panose="020B0603020204020204" pitchFamily="34" charset="0"/>
-                <a:cs typeface="Arial" panose="020B0604020202020204" pitchFamily="34" charset="0"/>
-              </a:rPr>
-              <a:t>loudTrail</a:t>
-            </a:r>
-            <a:endParaRPr lang="en-US" altLang="en-US" sz="1200" dirty="0">
-              <a:latin typeface="+mn-lt"/>
-              <a:ea typeface="Amazon Ember" panose="020B0603020204020204" pitchFamily="34" charset="0"/>
-              <a:cs typeface="Arial" panose="020B0604020202020204" pitchFamily="34" charset="0"/>
-            </a:endParaRPr>
           </a:p>
         </p:txBody>
       </p:sp>
@@ -11373,18 +10836,13 @@
           <a:p>
             <a:pPr algn="ctr" eaLnBrk="1" hangingPunct="1"/>
             <a:r>
-              <a:rPr lang="en-US" altLang="en-US" sz="1200" dirty="0" smtClean="0">
+              <a:rPr lang="en-US" altLang="en-US" sz="1200" dirty="0">
                 <a:latin typeface="+mn-lt"/>
                 <a:ea typeface="Amazon Ember" panose="020B0603020204020204" pitchFamily="34" charset="0"/>
                 <a:cs typeface="Arial" panose="020B0604020202020204" pitchFamily="34" charset="0"/>
               </a:rPr>
               <a:t>CloudWatch</a:t>
             </a:r>
-            <a:endParaRPr lang="en-US" altLang="en-US" sz="1200" dirty="0">
-              <a:latin typeface="+mn-lt"/>
-              <a:ea typeface="Amazon Ember" panose="020B0603020204020204" pitchFamily="34" charset="0"/>
-              <a:cs typeface="Arial" panose="020B0604020202020204" pitchFamily="34" charset="0"/>
-            </a:endParaRPr>
           </a:p>
         </p:txBody>
       </p:sp>
@@ -11521,41 +10979,8 @@
                 </a:solidFill>
                 <a:cs typeface="Arial" panose="020B0604020202020204" pitchFamily="34" charset="0"/>
               </a:rPr>
-              <a:t>Access </a:t>
+              <a:t>Access control and alerting</a:t>
             </a:r>
-            <a:r>
-              <a:rPr lang="en-US" sz="1200" dirty="0" smtClean="0">
-                <a:solidFill>
-                  <a:srgbClr val="5A6B86"/>
-                </a:solidFill>
-                <a:cs typeface="Arial" panose="020B0604020202020204" pitchFamily="34" charset="0"/>
-              </a:rPr>
-              <a:t>control </a:t>
-            </a:r>
-            <a:r>
-              <a:rPr lang="en-US" sz="1200" dirty="0">
-                <a:solidFill>
-                  <a:srgbClr val="5A6B86"/>
-                </a:solidFill>
-                <a:cs typeface="Arial" panose="020B0604020202020204" pitchFamily="34" charset="0"/>
-              </a:rPr>
-              <a:t>and </a:t>
-            </a:r>
-            <a:r>
-              <a:rPr lang="en-US" sz="1200" dirty="0" smtClean="0">
-                <a:solidFill>
-                  <a:srgbClr val="5A6B86"/>
-                </a:solidFill>
-                <a:cs typeface="Arial" panose="020B0604020202020204" pitchFamily="34" charset="0"/>
-              </a:rPr>
-              <a:t>alerting</a:t>
-            </a:r>
-            <a:endParaRPr lang="en-US" sz="1200" dirty="0">
-              <a:solidFill>
-                <a:srgbClr val="5A6B86"/>
-              </a:solidFill>
-              <a:cs typeface="Arial" panose="020B0604020202020204" pitchFamily="34" charset="0"/>
-            </a:endParaRPr>
           </a:p>
         </p:txBody>
       </p:sp>
@@ -11710,18 +11135,13 @@
           <a:p>
             <a:pPr algn="ctr"/>
             <a:r>
-              <a:rPr lang="en-US" altLang="en-US" sz="1200" dirty="0" smtClean="0">
+              <a:rPr lang="en-US" altLang="en-US" sz="1200" dirty="0">
                 <a:latin typeface="+mn-lt"/>
                 <a:ea typeface="Amazon Ember" panose="020B0603020204020204" pitchFamily="34" charset="0"/>
                 <a:cs typeface="Arial" panose="020B0604020202020204" pitchFamily="34" charset="0"/>
               </a:rPr>
               <a:t>S3</a:t>
             </a:r>
-            <a:endParaRPr lang="en-US" altLang="en-US" sz="1200" dirty="0">
-              <a:latin typeface="+mn-lt"/>
-              <a:ea typeface="Amazon Ember" panose="020B0603020204020204" pitchFamily="34" charset="0"/>
-              <a:cs typeface="Arial" panose="020B0604020202020204" pitchFamily="34" charset="0"/>
-            </a:endParaRPr>
           </a:p>
         </p:txBody>
       </p:sp>
@@ -11876,18 +11296,13 @@
           <a:p>
             <a:pPr algn="ctr"/>
             <a:r>
-              <a:rPr lang="en-US" altLang="en-US" sz="1200" dirty="0" smtClean="0">
+              <a:rPr lang="en-US" altLang="en-US" sz="1200" dirty="0">
                 <a:latin typeface="+mn-lt"/>
                 <a:ea typeface="Amazon Ember" panose="020B0603020204020204" pitchFamily="34" charset="0"/>
                 <a:cs typeface="Arial" panose="020B0604020202020204" pitchFamily="34" charset="0"/>
               </a:rPr>
               <a:t>S3</a:t>
             </a:r>
-            <a:endParaRPr lang="en-US" altLang="en-US" sz="1200" dirty="0">
-              <a:latin typeface="+mn-lt"/>
-              <a:ea typeface="Amazon Ember" panose="020B0603020204020204" pitchFamily="34" charset="0"/>
-              <a:cs typeface="Arial" panose="020B0604020202020204" pitchFamily="34" charset="0"/>
-            </a:endParaRPr>
           </a:p>
         </p:txBody>
       </p:sp>
@@ -12042,18 +11457,13 @@
           <a:p>
             <a:pPr algn="ctr"/>
             <a:r>
-              <a:rPr lang="en-US" altLang="en-US" sz="1200" dirty="0" smtClean="0">
+              <a:rPr lang="en-US" altLang="en-US" sz="1200" dirty="0">
                 <a:latin typeface="+mn-lt"/>
                 <a:ea typeface="Amazon Ember" panose="020B0603020204020204" pitchFamily="34" charset="0"/>
                 <a:cs typeface="Arial" panose="020B0604020202020204" pitchFamily="34" charset="0"/>
               </a:rPr>
               <a:t>S3</a:t>
             </a:r>
-            <a:endParaRPr lang="en-US" altLang="en-US" sz="1200" dirty="0">
-              <a:latin typeface="+mn-lt"/>
-              <a:ea typeface="Amazon Ember" panose="020B0603020204020204" pitchFamily="34" charset="0"/>
-              <a:cs typeface="Arial" panose="020B0604020202020204" pitchFamily="34" charset="0"/>
-            </a:endParaRPr>
           </a:p>
         </p:txBody>
       </p:sp>
@@ -12536,20 +11946,12 @@
           <a:p>
             <a:pPr algn="ctr" eaLnBrk="1" hangingPunct="1"/>
             <a:r>
-              <a:rPr lang="en-US" altLang="en-US" sz="1200" dirty="0" smtClean="0">
-                <a:latin typeface="+mn-lt"/>
-                <a:ea typeface="Amazon Ember" panose="020B0603020204020204" pitchFamily="34" charset="0"/>
-                <a:cs typeface="Arial" panose="020B0604020202020204" pitchFamily="34" charset="0"/>
-              </a:rPr>
-              <a:t>All flow </a:t>
-            </a:r>
-            <a:r>
               <a:rPr lang="en-US" altLang="en-US" sz="1200" dirty="0">
                 <a:latin typeface="+mn-lt"/>
                 <a:ea typeface="Amazon Ember" panose="020B0603020204020204" pitchFamily="34" charset="0"/>
                 <a:cs typeface="Arial" panose="020B0604020202020204" pitchFamily="34" charset="0"/>
               </a:rPr>
-              <a:t>logs</a:t>
+              <a:t>All flow logs</a:t>
             </a:r>
           </a:p>
         </p:txBody>
@@ -12582,7 +11984,6 @@
           <a:ln>
             <a:noFill/>
           </a:ln>
-          <a:extLst/>
         </p:spPr>
         <p:txBody>
           <a:bodyPr wrap="square">
@@ -12739,7 +12140,6 @@
           <a:ln>
             <a:noFill/>
           </a:ln>
-          <a:extLst/>
         </p:spPr>
       </p:pic>
       <p:sp>
@@ -13142,18 +12542,13 @@
             <a:p>
               <a:pPr algn="ctr" eaLnBrk="1" hangingPunct="1"/>
               <a:r>
-                <a:rPr lang="en-US" altLang="en-US" sz="1200" dirty="0" smtClean="0">
+                <a:rPr lang="en-US" altLang="en-US" sz="1200" dirty="0">
                   <a:latin typeface="+mn-lt"/>
                   <a:ea typeface="Amazon Ember" panose="020B0603020204020204" pitchFamily="34" charset="0"/>
                   <a:cs typeface="Arial" panose="020B0604020202020204" pitchFamily="34" charset="0"/>
                 </a:rPr>
                 <a:t>CloudWatch</a:t>
               </a:r>
-              <a:endParaRPr lang="en-US" altLang="en-US" sz="1200" dirty="0">
-                <a:latin typeface="+mn-lt"/>
-                <a:ea typeface="Amazon Ember" panose="020B0603020204020204" pitchFamily="34" charset="0"/>
-                <a:cs typeface="Arial" panose="020B0604020202020204" pitchFamily="34" charset="0"/>
-              </a:endParaRPr>
             </a:p>
           </p:txBody>
         </p:sp>
@@ -13389,18 +12784,13 @@
             <a:p>
               <a:pPr algn="ctr" eaLnBrk="1" hangingPunct="1"/>
               <a:r>
-                <a:rPr lang="en-US" altLang="en-US" sz="1200" dirty="0" smtClean="0">
+                <a:rPr lang="en-US" altLang="en-US" sz="1200" dirty="0">
                   <a:latin typeface="+mn-lt"/>
                   <a:ea typeface="Amazon Ember" panose="020B0603020204020204" pitchFamily="34" charset="0"/>
                   <a:cs typeface="Arial" panose="020B0604020202020204" pitchFamily="34" charset="0"/>
                 </a:rPr>
                 <a:t>CloudTrail</a:t>
               </a:r>
-              <a:endParaRPr lang="en-US" altLang="en-US" sz="1200" dirty="0">
-                <a:latin typeface="+mn-lt"/>
-                <a:ea typeface="Amazon Ember" panose="020B0603020204020204" pitchFamily="34" charset="0"/>
-                <a:cs typeface="Arial" panose="020B0604020202020204" pitchFamily="34" charset="0"/>
-              </a:endParaRPr>
             </a:p>
           </p:txBody>
         </p:sp>
@@ -13798,20 +13188,12 @@
           <a:p>
             <a:pPr algn="ctr" eaLnBrk="1" hangingPunct="1"/>
             <a:r>
-              <a:rPr lang="en-US" altLang="en-US" sz="1200" dirty="0" smtClean="0">
-                <a:latin typeface="+mn-lt"/>
-                <a:ea typeface="Amazon Ember" panose="020B0603020204020204" pitchFamily="34" charset="0"/>
-                <a:cs typeface="Arial" panose="020B0604020202020204" pitchFamily="34" charset="0"/>
-              </a:rPr>
-              <a:t>All flow </a:t>
-            </a:r>
-            <a:r>
               <a:rPr lang="en-US" altLang="en-US" sz="1200" dirty="0">
                 <a:latin typeface="+mn-lt"/>
                 <a:ea typeface="Amazon Ember" panose="020B0603020204020204" pitchFamily="34" charset="0"/>
                 <a:cs typeface="Arial" panose="020B0604020202020204" pitchFamily="34" charset="0"/>
               </a:rPr>
-              <a:t>logs</a:t>
+              <a:t>All flow logs</a:t>
             </a:r>
           </a:p>
         </p:txBody>
@@ -14188,18 +13570,13 @@
           <a:p>
             <a:pPr algn="ctr"/>
             <a:r>
-              <a:rPr lang="en-US" altLang="en-US" sz="1200" dirty="0" smtClean="0">
+              <a:rPr lang="en-US" altLang="en-US" sz="1200" dirty="0">
                 <a:latin typeface="+mn-lt"/>
                 <a:ea typeface="Amazon Ember" panose="020B0603020204020204" pitchFamily="34" charset="0"/>
                 <a:cs typeface="Arial" panose="020B0604020202020204" pitchFamily="34" charset="0"/>
               </a:rPr>
               <a:t>S3</a:t>
             </a:r>
-            <a:endParaRPr lang="en-US" altLang="en-US" sz="1200" dirty="0">
-              <a:latin typeface="+mn-lt"/>
-              <a:ea typeface="Amazon Ember" panose="020B0603020204020204" pitchFamily="34" charset="0"/>
-              <a:cs typeface="Arial" panose="020B0604020202020204" pitchFamily="34" charset="0"/>
-            </a:endParaRPr>
           </a:p>
         </p:txBody>
       </p:sp>
@@ -14564,18 +13941,13 @@
           <a:p>
             <a:pPr algn="ctr"/>
             <a:r>
-              <a:rPr lang="en-US" altLang="en-US" sz="1200" dirty="0" smtClean="0">
+              <a:rPr lang="en-US" altLang="en-US" sz="1200" dirty="0">
                 <a:latin typeface="+mn-lt"/>
                 <a:ea typeface="Amazon Ember" panose="020B0603020204020204" pitchFamily="34" charset="0"/>
                 <a:cs typeface="Arial" panose="020B0604020202020204" pitchFamily="34" charset="0"/>
               </a:rPr>
               <a:t>S3</a:t>
             </a:r>
-            <a:endParaRPr lang="en-US" altLang="en-US" sz="1200" dirty="0">
-              <a:latin typeface="+mn-lt"/>
-              <a:ea typeface="Amazon Ember" panose="020B0603020204020204" pitchFamily="34" charset="0"/>
-              <a:cs typeface="Arial" panose="020B0604020202020204" pitchFamily="34" charset="0"/>
-            </a:endParaRPr>
           </a:p>
         </p:txBody>
       </p:sp>
@@ -14730,18 +14102,13 @@
           <a:p>
             <a:pPr algn="ctr"/>
             <a:r>
-              <a:rPr lang="en-US" altLang="en-US" sz="1200" dirty="0" smtClean="0">
+              <a:rPr lang="en-US" altLang="en-US" sz="1200" dirty="0">
                 <a:latin typeface="+mn-lt"/>
                 <a:ea typeface="Amazon Ember" panose="020B0603020204020204" pitchFamily="34" charset="0"/>
                 <a:cs typeface="Arial" panose="020B0604020202020204" pitchFamily="34" charset="0"/>
               </a:rPr>
               <a:t>S3</a:t>
             </a:r>
-            <a:endParaRPr lang="en-US" altLang="en-US" sz="1200" dirty="0">
-              <a:latin typeface="+mn-lt"/>
-              <a:ea typeface="Amazon Ember" panose="020B0603020204020204" pitchFamily="34" charset="0"/>
-              <a:cs typeface="Arial" panose="020B0604020202020204" pitchFamily="34" charset="0"/>
-            </a:endParaRPr>
           </a:p>
         </p:txBody>
       </p:sp>
